--- a/к защите/ShirtsMaker.pptx
+++ b/к защите/ShirtsMaker.pptx
@@ -30309,7 +30309,7 @@
         <p:fade thruBlk="1"/>
       </p:transition>
     </mc:Choice>
-    <mc:Fallback xmlns:ahyp="http://schemas.microsoft.com/office/drawing/2018/hyperlinkcolor" xmlns:p15="http://schemas.microsoft.com/office/powerpoint/2012/main" xmlns:com="http://schemas.openxmlformats.org/drawingml/2006/compatibility" xmlns:pvml="urn:schemas-microsoft-com:office:powerpoint" xmlns:v="urn:schemas-microsoft-com:vml" xmlns:o="urn:schemas-microsoft-com:office:office" xmlns:dgm="http://schemas.openxmlformats.org/drawingml/2006/diagram" xmlns:c="http://schemas.openxmlformats.org/drawingml/2006/chart" xmlns:mv="urn:schemas-microsoft-com:mac:vml" xmlns="">
+    <mc:Fallback xmlns="" xmlns:mv="urn:schemas-microsoft-com:mac:vml" xmlns:c="http://schemas.openxmlformats.org/drawingml/2006/chart" xmlns:dgm="http://schemas.openxmlformats.org/drawingml/2006/diagram" xmlns:o="urn:schemas-microsoft-com:office:office" xmlns:v="urn:schemas-microsoft-com:vml" xmlns:pvml="urn:schemas-microsoft-com:office:powerpoint" xmlns:com="http://schemas.openxmlformats.org/drawingml/2006/compatibility" xmlns:p15="http://schemas.microsoft.com/office/powerpoint/2012/main" xmlns:ahyp="http://schemas.microsoft.com/office/drawing/2018/hyperlinkcolor">
       <p:transition spd="slow">
         <p:fade/>
       </p:transition>
@@ -31180,7 +31180,7 @@
           </a:bodyPr>
           <a:lstStyle/>
           <a:p>
-            <a:pPr marL="0" lvl="0" indent="0" algn="l" rtl="0">
+            <a:pPr marL="0" lvl="0" indent="0" algn="just" rtl="0">
               <a:spcBef>
                 <a:spcPts val="0"/>
               </a:spcBef>
@@ -32618,8 +32618,8 @@
         </p:nvSpPr>
         <p:spPr>
           <a:xfrm>
-            <a:off x="-53287" y="1588666"/>
-            <a:ext cx="6005100" cy="1235100"/>
+            <a:off x="1844200" y="1597384"/>
+            <a:ext cx="7020758" cy="1948731"/>
           </a:xfrm>
           <a:prstGeom prst="rect">
             <a:avLst/>
@@ -32631,7 +32631,7 @@
           </a:bodyPr>
           <a:lstStyle/>
           <a:p>
-            <a:pPr marL="0" lvl="0" indent="0" algn="ctr" rtl="0">
+            <a:pPr marL="0" lvl="0" indent="0" algn="just" rtl="0">
               <a:spcBef>
                 <a:spcPts val="0"/>
               </a:spcBef>
@@ -32641,10 +32641,40 @@
               <a:buNone/>
             </a:pPr>
             <a:r>
-              <a:rPr lang="ru-RU" dirty="0"/>
-              <a:t>…</a:t>
+              <a:rPr lang="ru-RU" dirty="0">
+                <a:cs typeface="Manjari" panose="020B0604020202020204" charset="0"/>
+              </a:rPr>
+              <a:t>При создании проекта мы расширили свои навыки работы с телеграмм ботами</a:t>
             </a:r>
-            <a:endParaRPr dirty="0"/>
+            <a:r>
+              <a:rPr lang="en-US" dirty="0">
+                <a:latin typeface="Manjari" panose="020B0604020202020204" charset="0"/>
+                <a:cs typeface="Manjari" panose="020B0604020202020204" charset="0"/>
+              </a:rPr>
+              <a:t>, </a:t>
+            </a:r>
+            <a:r>
+              <a:rPr lang="ru-RU" dirty="0">
+                <a:cs typeface="Manjari" panose="020B0604020202020204" charset="0"/>
+              </a:rPr>
+              <a:t>а также создали полноценный магазин в телеграмм. По статистике в ноябре 2022г мессенджер посещали 700млн активных пользователей в месяц. Это на 40% больше, чем в начале 2021г, поэтому создание интернет-магазина в </a:t>
+            </a:r>
+            <a:r>
+              <a:rPr lang="ru-RU" dirty="0" err="1">
+                <a:cs typeface="Manjari" panose="020B0604020202020204" charset="0"/>
+              </a:rPr>
+              <a:t>тг</a:t>
+            </a:r>
+            <a:r>
+              <a:rPr lang="ru-RU" dirty="0">
+                <a:cs typeface="Manjari" panose="020B0604020202020204" charset="0"/>
+              </a:rPr>
+              <a:t> увеличивает количество потенциальных покупателей</a:t>
+            </a:r>
+            <a:endParaRPr dirty="0">
+              <a:latin typeface="Manjari" panose="020B0604020202020204" charset="0"/>
+              <a:cs typeface="Manjari" panose="020B0604020202020204" charset="0"/>
+            </a:endParaRPr>
           </a:p>
         </p:txBody>
       </p:sp>
